--- a/images/charts.pptx
+++ b/images/charts.pptx
@@ -6,6 +6,7 @@
   </p:sldMasterIdLst>
   <p:sldIdLst>
     <p:sldId id="256" r:id="rId2"/>
+    <p:sldId id="257" r:id="rId3"/>
   </p:sldIdLst>
   <p:sldSz cx="12192000" cy="6858000"/>
   <p:notesSz cx="6858000" cy="9144000"/>
@@ -104,6 +105,11 @@
       </a:defRPr>
     </a:lvl9pPr>
   </p:defaultTextStyle>
+  <p:extLst>
+    <p:ext uri="{EFAFB233-063F-42B5-8137-9DF3F51BA10A}">
+      <p15:sldGuideLst xmlns:p15="http://schemas.microsoft.com/office/powerpoint/2012/main"/>
+    </p:ext>
+  </p:extLst>
 </p:presentation>
 </file>
 
@@ -256,7 +262,7 @@
           <a:p>
             <a:fld id="{942E2007-C2AF-4788-AC0C-0A66E0424D3E}" type="datetimeFigureOut">
               <a:rPr lang="en-AU" smtClean="0"/>
-              <a:t>8/05/2022</a:t>
+              <a:t>14/05/2022</a:t>
             </a:fld>
             <a:endParaRPr lang="en-AU"/>
           </a:p>
@@ -456,7 +462,7 @@
           <a:p>
             <a:fld id="{942E2007-C2AF-4788-AC0C-0A66E0424D3E}" type="datetimeFigureOut">
               <a:rPr lang="en-AU" smtClean="0"/>
-              <a:t>8/05/2022</a:t>
+              <a:t>14/05/2022</a:t>
             </a:fld>
             <a:endParaRPr lang="en-AU"/>
           </a:p>
@@ -666,7 +672,7 @@
           <a:p>
             <a:fld id="{942E2007-C2AF-4788-AC0C-0A66E0424D3E}" type="datetimeFigureOut">
               <a:rPr lang="en-AU" smtClean="0"/>
-              <a:t>8/05/2022</a:t>
+              <a:t>14/05/2022</a:t>
             </a:fld>
             <a:endParaRPr lang="en-AU"/>
           </a:p>
@@ -866,7 +872,7 @@
           <a:p>
             <a:fld id="{942E2007-C2AF-4788-AC0C-0A66E0424D3E}" type="datetimeFigureOut">
               <a:rPr lang="en-AU" smtClean="0"/>
-              <a:t>8/05/2022</a:t>
+              <a:t>14/05/2022</a:t>
             </a:fld>
             <a:endParaRPr lang="en-AU"/>
           </a:p>
@@ -1142,7 +1148,7 @@
           <a:p>
             <a:fld id="{942E2007-C2AF-4788-AC0C-0A66E0424D3E}" type="datetimeFigureOut">
               <a:rPr lang="en-AU" smtClean="0"/>
-              <a:t>8/05/2022</a:t>
+              <a:t>14/05/2022</a:t>
             </a:fld>
             <a:endParaRPr lang="en-AU"/>
           </a:p>
@@ -1410,7 +1416,7 @@
           <a:p>
             <a:fld id="{942E2007-C2AF-4788-AC0C-0A66E0424D3E}" type="datetimeFigureOut">
               <a:rPr lang="en-AU" smtClean="0"/>
-              <a:t>8/05/2022</a:t>
+              <a:t>14/05/2022</a:t>
             </a:fld>
             <a:endParaRPr lang="en-AU"/>
           </a:p>
@@ -1825,7 +1831,7 @@
           <a:p>
             <a:fld id="{942E2007-C2AF-4788-AC0C-0A66E0424D3E}" type="datetimeFigureOut">
               <a:rPr lang="en-AU" smtClean="0"/>
-              <a:t>8/05/2022</a:t>
+              <a:t>14/05/2022</a:t>
             </a:fld>
             <a:endParaRPr lang="en-AU"/>
           </a:p>
@@ -1967,7 +1973,7 @@
           <a:p>
             <a:fld id="{942E2007-C2AF-4788-AC0C-0A66E0424D3E}" type="datetimeFigureOut">
               <a:rPr lang="en-AU" smtClean="0"/>
-              <a:t>8/05/2022</a:t>
+              <a:t>14/05/2022</a:t>
             </a:fld>
             <a:endParaRPr lang="en-AU"/>
           </a:p>
@@ -2080,7 +2086,7 @@
           <a:p>
             <a:fld id="{942E2007-C2AF-4788-AC0C-0A66E0424D3E}" type="datetimeFigureOut">
               <a:rPr lang="en-AU" smtClean="0"/>
-              <a:t>8/05/2022</a:t>
+              <a:t>14/05/2022</a:t>
             </a:fld>
             <a:endParaRPr lang="en-AU"/>
           </a:p>
@@ -2393,7 +2399,7 @@
           <a:p>
             <a:fld id="{942E2007-C2AF-4788-AC0C-0A66E0424D3E}" type="datetimeFigureOut">
               <a:rPr lang="en-AU" smtClean="0"/>
-              <a:t>8/05/2022</a:t>
+              <a:t>14/05/2022</a:t>
             </a:fld>
             <a:endParaRPr lang="en-AU"/>
           </a:p>
@@ -2682,7 +2688,7 @@
           <a:p>
             <a:fld id="{942E2007-C2AF-4788-AC0C-0A66E0424D3E}" type="datetimeFigureOut">
               <a:rPr lang="en-AU" smtClean="0"/>
-              <a:t>8/05/2022</a:t>
+              <a:t>14/05/2022</a:t>
             </a:fld>
             <a:endParaRPr lang="en-AU"/>
           </a:p>
@@ -2925,7 +2931,7 @@
           <a:p>
             <a:fld id="{942E2007-C2AF-4788-AC0C-0A66E0424D3E}" type="datetimeFigureOut">
               <a:rPr lang="en-AU" smtClean="0"/>
-              <a:t>8/05/2022</a:t>
+              <a:t>14/05/2022</a:t>
             </a:fld>
             <a:endParaRPr lang="en-AU"/>
           </a:p>
@@ -4102,6 +4108,516 @@
 </p:sld>
 </file>
 
+<file path=ppt/slides/slide2.xml><?xml version="1.0" encoding="utf-8"?>
+<p:sld xmlns:a="http://schemas.openxmlformats.org/drawingml/2006/main" xmlns:r="http://schemas.openxmlformats.org/officeDocument/2006/relationships" xmlns:p="http://schemas.openxmlformats.org/presentationml/2006/main">
+  <p:cSld>
+    <p:spTree>
+      <p:nvGrpSpPr>
+        <p:cNvPr id="1" name=""/>
+        <p:cNvGrpSpPr/>
+        <p:nvPr/>
+      </p:nvGrpSpPr>
+      <p:grpSpPr>
+        <a:xfrm>
+          <a:off x="0" y="0"/>
+          <a:ext cx="0" cy="0"/>
+          <a:chOff x="0" y="0"/>
+          <a:chExt cx="0" cy="0"/>
+        </a:xfrm>
+      </p:grpSpPr>
+      <p:sp>
+        <p:nvSpPr>
+          <p:cNvPr id="4" name="Rectangle: Rounded Corners 3">
+            <a:extLst>
+              <a:ext uri="{FF2B5EF4-FFF2-40B4-BE49-F238E27FC236}">
+                <a16:creationId xmlns:a16="http://schemas.microsoft.com/office/drawing/2014/main" id="{9AA7099B-0540-A165-73E7-996E7248C06B}"/>
+              </a:ext>
+            </a:extLst>
+          </p:cNvPr>
+          <p:cNvSpPr/>
+          <p:nvPr/>
+        </p:nvSpPr>
+        <p:spPr>
+          <a:xfrm>
+            <a:off x="2841987" y="1111813"/>
+            <a:ext cx="1560352" cy="1154373"/>
+          </a:xfrm>
+          <a:prstGeom prst="roundRect">
+            <a:avLst/>
+          </a:prstGeom>
+        </p:spPr>
+        <p:style>
+          <a:lnRef idx="2">
+            <a:schemeClr val="accent1">
+              <a:shade val="50000"/>
+            </a:schemeClr>
+          </a:lnRef>
+          <a:fillRef idx="1">
+            <a:schemeClr val="accent1"/>
+          </a:fillRef>
+          <a:effectRef idx="0">
+            <a:schemeClr val="accent1"/>
+          </a:effectRef>
+          <a:fontRef idx="minor">
+            <a:schemeClr val="lt1"/>
+          </a:fontRef>
+        </p:style>
+        <p:txBody>
+          <a:bodyPr rtlCol="0" anchor="ctr"/>
+          <a:lstStyle/>
+          <a:p>
+            <a:pPr algn="ctr"/>
+            <a:r>
+              <a:rPr lang="en-AU" dirty="0"/>
+              <a:t>Training </a:t>
+            </a:r>
+          </a:p>
+          <a:p>
+            <a:pPr algn="ctr"/>
+            <a:r>
+              <a:rPr lang="en-AU" dirty="0"/>
+              <a:t>&amp; </a:t>
+            </a:r>
+          </a:p>
+          <a:p>
+            <a:pPr algn="ctr"/>
+            <a:r>
+              <a:rPr lang="en-AU" dirty="0"/>
+              <a:t>Validating</a:t>
+            </a:r>
+          </a:p>
+        </p:txBody>
+      </p:sp>
+      <p:cxnSp>
+        <p:nvCxnSpPr>
+          <p:cNvPr id="33" name="Straight Arrow Connector 32">
+            <a:extLst>
+              <a:ext uri="{FF2B5EF4-FFF2-40B4-BE49-F238E27FC236}">
+                <a16:creationId xmlns:a16="http://schemas.microsoft.com/office/drawing/2014/main" id="{69584607-C9D9-FA12-6F57-243967E701FA}"/>
+              </a:ext>
+            </a:extLst>
+          </p:cNvPr>
+          <p:cNvCxnSpPr>
+            <a:cxnSpLocks/>
+          </p:cNvCxnSpPr>
+          <p:nvPr/>
+        </p:nvCxnSpPr>
+        <p:spPr>
+          <a:xfrm>
+            <a:off x="4504888" y="1681073"/>
+            <a:ext cx="1560352" cy="0"/>
+          </a:xfrm>
+          <a:prstGeom prst="straightConnector1">
+            <a:avLst/>
+          </a:prstGeom>
+          <a:ln w="38100">
+            <a:solidFill>
+              <a:schemeClr val="accent2">
+                <a:lumMod val="75000"/>
+              </a:schemeClr>
+            </a:solidFill>
+            <a:tailEnd type="triangle"/>
+          </a:ln>
+        </p:spPr>
+        <p:style>
+          <a:lnRef idx="1">
+            <a:schemeClr val="accent1"/>
+          </a:lnRef>
+          <a:fillRef idx="0">
+            <a:schemeClr val="accent1"/>
+          </a:fillRef>
+          <a:effectRef idx="0">
+            <a:schemeClr val="accent1"/>
+          </a:effectRef>
+          <a:fontRef idx="minor">
+            <a:schemeClr val="tx1"/>
+          </a:fontRef>
+        </p:style>
+      </p:cxnSp>
+      <p:cxnSp>
+        <p:nvCxnSpPr>
+          <p:cNvPr id="35" name="Straight Arrow Connector 34">
+            <a:extLst>
+              <a:ext uri="{FF2B5EF4-FFF2-40B4-BE49-F238E27FC236}">
+                <a16:creationId xmlns:a16="http://schemas.microsoft.com/office/drawing/2014/main" id="{5C8A7233-0B3D-862E-F079-E3C7B149EEF0}"/>
+              </a:ext>
+            </a:extLst>
+          </p:cNvPr>
+          <p:cNvCxnSpPr>
+            <a:cxnSpLocks/>
+          </p:cNvCxnSpPr>
+          <p:nvPr/>
+        </p:nvCxnSpPr>
+        <p:spPr>
+          <a:xfrm>
+            <a:off x="4557513" y="3652935"/>
+            <a:ext cx="1560352" cy="0"/>
+          </a:xfrm>
+          <a:prstGeom prst="straightConnector1">
+            <a:avLst/>
+          </a:prstGeom>
+          <a:ln w="38100">
+            <a:solidFill>
+              <a:schemeClr val="accent2">
+                <a:lumMod val="75000"/>
+              </a:schemeClr>
+            </a:solidFill>
+            <a:tailEnd type="triangle"/>
+          </a:ln>
+        </p:spPr>
+        <p:style>
+          <a:lnRef idx="1">
+            <a:schemeClr val="accent1"/>
+          </a:lnRef>
+          <a:fillRef idx="0">
+            <a:schemeClr val="accent1"/>
+          </a:fillRef>
+          <a:effectRef idx="0">
+            <a:schemeClr val="accent1"/>
+          </a:effectRef>
+          <a:fontRef idx="minor">
+            <a:schemeClr val="tx1"/>
+          </a:fontRef>
+        </p:style>
+      </p:cxnSp>
+      <p:sp>
+        <p:nvSpPr>
+          <p:cNvPr id="36" name="Rectangle: Rounded Corners 35">
+            <a:extLst>
+              <a:ext uri="{FF2B5EF4-FFF2-40B4-BE49-F238E27FC236}">
+                <a16:creationId xmlns:a16="http://schemas.microsoft.com/office/drawing/2014/main" id="{4B57B299-AF96-EB2D-638C-E5F548E1BDC2}"/>
+              </a:ext>
+            </a:extLst>
+          </p:cNvPr>
+          <p:cNvSpPr/>
+          <p:nvPr/>
+        </p:nvSpPr>
+        <p:spPr>
+          <a:xfrm>
+            <a:off x="6220807" y="1459471"/>
+            <a:ext cx="1054359" cy="447869"/>
+          </a:xfrm>
+          <a:prstGeom prst="roundRect">
+            <a:avLst/>
+          </a:prstGeom>
+          <a:solidFill>
+            <a:schemeClr val="accent6">
+              <a:lumMod val="75000"/>
+            </a:schemeClr>
+          </a:solidFill>
+          <a:ln>
+            <a:solidFill>
+              <a:schemeClr val="accent6">
+                <a:lumMod val="50000"/>
+              </a:schemeClr>
+            </a:solidFill>
+          </a:ln>
+        </p:spPr>
+        <p:style>
+          <a:lnRef idx="2">
+            <a:schemeClr val="accent1">
+              <a:shade val="50000"/>
+            </a:schemeClr>
+          </a:lnRef>
+          <a:fillRef idx="1">
+            <a:schemeClr val="accent1"/>
+          </a:fillRef>
+          <a:effectRef idx="0">
+            <a:schemeClr val="accent1"/>
+          </a:effectRef>
+          <a:fontRef idx="minor">
+            <a:schemeClr val="lt1"/>
+          </a:fontRef>
+        </p:style>
+        <p:txBody>
+          <a:bodyPr rtlCol="0" anchor="ctr"/>
+          <a:lstStyle/>
+          <a:p>
+            <a:pPr algn="ctr"/>
+            <a:r>
+              <a:rPr lang="en-AU" dirty="0"/>
+              <a:t>Test</a:t>
+            </a:r>
+          </a:p>
+        </p:txBody>
+      </p:sp>
+      <p:sp>
+        <p:nvSpPr>
+          <p:cNvPr id="37" name="Rectangle: Rounded Corners 36">
+            <a:extLst>
+              <a:ext uri="{FF2B5EF4-FFF2-40B4-BE49-F238E27FC236}">
+                <a16:creationId xmlns:a16="http://schemas.microsoft.com/office/drawing/2014/main" id="{CA218F78-07D3-E0FB-9C81-0AAF4D3AD6C1}"/>
+              </a:ext>
+            </a:extLst>
+          </p:cNvPr>
+          <p:cNvSpPr/>
+          <p:nvPr/>
+        </p:nvSpPr>
+        <p:spPr>
+          <a:xfrm>
+            <a:off x="6231487" y="3429000"/>
+            <a:ext cx="1445332" cy="447869"/>
+          </a:xfrm>
+          <a:prstGeom prst="roundRect">
+            <a:avLst/>
+          </a:prstGeom>
+          <a:solidFill>
+            <a:schemeClr val="accent6">
+              <a:lumMod val="75000"/>
+            </a:schemeClr>
+          </a:solidFill>
+          <a:ln>
+            <a:solidFill>
+              <a:schemeClr val="accent6">
+                <a:lumMod val="50000"/>
+              </a:schemeClr>
+            </a:solidFill>
+          </a:ln>
+        </p:spPr>
+        <p:style>
+          <a:lnRef idx="2">
+            <a:schemeClr val="accent1">
+              <a:shade val="50000"/>
+            </a:schemeClr>
+          </a:lnRef>
+          <a:fillRef idx="1">
+            <a:schemeClr val="accent1"/>
+          </a:fillRef>
+          <a:effectRef idx="0">
+            <a:schemeClr val="accent1"/>
+          </a:effectRef>
+          <a:fontRef idx="minor">
+            <a:schemeClr val="lt1"/>
+          </a:fontRef>
+        </p:style>
+        <p:txBody>
+          <a:bodyPr rtlCol="0" anchor="ctr"/>
+          <a:lstStyle/>
+          <a:p>
+            <a:pPr algn="ctr"/>
+            <a:r>
+              <a:rPr lang="en-AU" dirty="0"/>
+              <a:t>Final Exam</a:t>
+            </a:r>
+          </a:p>
+        </p:txBody>
+      </p:sp>
+      <p:sp>
+        <p:nvSpPr>
+          <p:cNvPr id="38" name="TextBox 37">
+            <a:extLst>
+              <a:ext uri="{FF2B5EF4-FFF2-40B4-BE49-F238E27FC236}">
+                <a16:creationId xmlns:a16="http://schemas.microsoft.com/office/drawing/2014/main" id="{905B2EF0-756F-F0E5-B663-93B390BE264A}"/>
+              </a:ext>
+            </a:extLst>
+          </p:cNvPr>
+          <p:cNvSpPr txBox="1"/>
+          <p:nvPr/>
+        </p:nvSpPr>
+        <p:spPr>
+          <a:xfrm>
+            <a:off x="6065240" y="1078548"/>
+            <a:ext cx="1718099" cy="369332"/>
+          </a:xfrm>
+          <a:prstGeom prst="rect">
+            <a:avLst/>
+          </a:prstGeom>
+          <a:noFill/>
+        </p:spPr>
+        <p:txBody>
+          <a:bodyPr wrap="none" rtlCol="0">
+            <a:spAutoFit/>
+          </a:bodyPr>
+          <a:lstStyle/>
+          <a:p>
+            <a:r>
+              <a:rPr lang="en-AU" dirty="0"/>
+              <a:t>usually one-take</a:t>
+            </a:r>
+          </a:p>
+        </p:txBody>
+      </p:sp>
+      <p:sp>
+        <p:nvSpPr>
+          <p:cNvPr id="39" name="TextBox 38">
+            <a:extLst>
+              <a:ext uri="{FF2B5EF4-FFF2-40B4-BE49-F238E27FC236}">
+                <a16:creationId xmlns:a16="http://schemas.microsoft.com/office/drawing/2014/main" id="{79B430B8-4643-113D-26F0-EACBC46E84A2}"/>
+              </a:ext>
+            </a:extLst>
+          </p:cNvPr>
+          <p:cNvSpPr txBox="1"/>
+          <p:nvPr/>
+        </p:nvSpPr>
+        <p:spPr>
+          <a:xfrm>
+            <a:off x="6095103" y="3849193"/>
+            <a:ext cx="1718099" cy="369332"/>
+          </a:xfrm>
+          <a:prstGeom prst="rect">
+            <a:avLst/>
+          </a:prstGeom>
+          <a:noFill/>
+        </p:spPr>
+        <p:txBody>
+          <a:bodyPr wrap="none" rtlCol="0">
+            <a:spAutoFit/>
+          </a:bodyPr>
+          <a:lstStyle/>
+          <a:p>
+            <a:r>
+              <a:rPr lang="en-AU" dirty="0"/>
+              <a:t>usually one-take</a:t>
+            </a:r>
+          </a:p>
+        </p:txBody>
+      </p:sp>
+      <p:sp>
+        <p:nvSpPr>
+          <p:cNvPr id="18" name="Rectangle: Rounded Corners 17">
+            <a:extLst>
+              <a:ext uri="{FF2B5EF4-FFF2-40B4-BE49-F238E27FC236}">
+                <a16:creationId xmlns:a16="http://schemas.microsoft.com/office/drawing/2014/main" id="{EB9F2232-9520-8B33-3429-A38D7CF2D86D}"/>
+              </a:ext>
+            </a:extLst>
+          </p:cNvPr>
+          <p:cNvSpPr/>
+          <p:nvPr/>
+        </p:nvSpPr>
+        <p:spPr>
+          <a:xfrm>
+            <a:off x="2829662" y="3064152"/>
+            <a:ext cx="1560352" cy="1154373"/>
+          </a:xfrm>
+          <a:prstGeom prst="roundRect">
+            <a:avLst/>
+          </a:prstGeom>
+        </p:spPr>
+        <p:style>
+          <a:lnRef idx="2">
+            <a:schemeClr val="accent1">
+              <a:shade val="50000"/>
+            </a:schemeClr>
+          </a:lnRef>
+          <a:fillRef idx="1">
+            <a:schemeClr val="accent1"/>
+          </a:fillRef>
+          <a:effectRef idx="0">
+            <a:schemeClr val="accent1"/>
+          </a:effectRef>
+          <a:fontRef idx="minor">
+            <a:schemeClr val="lt1"/>
+          </a:fontRef>
+        </p:style>
+        <p:txBody>
+          <a:bodyPr rtlCol="0" anchor="ctr"/>
+          <a:lstStyle/>
+          <a:p>
+            <a:pPr algn="ctr"/>
+            <a:r>
+              <a:rPr lang="en-AU" dirty="0"/>
+              <a:t>Studying </a:t>
+            </a:r>
+          </a:p>
+          <a:p>
+            <a:pPr algn="ctr"/>
+            <a:r>
+              <a:rPr lang="en-AU" dirty="0"/>
+              <a:t>&amp; </a:t>
+            </a:r>
+          </a:p>
+          <a:p>
+            <a:pPr algn="ctr"/>
+            <a:r>
+              <a:rPr lang="en-AU" dirty="0"/>
+              <a:t>Self-Testing</a:t>
+            </a:r>
+          </a:p>
+        </p:txBody>
+      </p:sp>
+      <p:sp>
+        <p:nvSpPr>
+          <p:cNvPr id="2" name="TextBox 1">
+            <a:extLst>
+              <a:ext uri="{FF2B5EF4-FFF2-40B4-BE49-F238E27FC236}">
+                <a16:creationId xmlns:a16="http://schemas.microsoft.com/office/drawing/2014/main" id="{6A6A0D5B-0FA7-95E1-1544-BDABBF636D90}"/>
+              </a:ext>
+            </a:extLst>
+          </p:cNvPr>
+          <p:cNvSpPr txBox="1"/>
+          <p:nvPr/>
+        </p:nvSpPr>
+        <p:spPr>
+          <a:xfrm>
+            <a:off x="2401455" y="2498563"/>
+            <a:ext cx="2564548" cy="369332"/>
+          </a:xfrm>
+          <a:prstGeom prst="rect">
+            <a:avLst/>
+          </a:prstGeom>
+          <a:noFill/>
+        </p:spPr>
+        <p:txBody>
+          <a:bodyPr wrap="none" rtlCol="0">
+            <a:spAutoFit/>
+          </a:bodyPr>
+          <a:lstStyle/>
+          <a:p>
+            <a:r>
+              <a:rPr lang="en-AU" dirty="0"/>
+              <a:t>aim at good performance</a:t>
+            </a:r>
+          </a:p>
+        </p:txBody>
+      </p:sp>
+      <p:sp>
+        <p:nvSpPr>
+          <p:cNvPr id="23" name="TextBox 22">
+            <a:extLst>
+              <a:ext uri="{FF2B5EF4-FFF2-40B4-BE49-F238E27FC236}">
+                <a16:creationId xmlns:a16="http://schemas.microsoft.com/office/drawing/2014/main" id="{0D378D07-3E5F-E674-5FF7-7FB310F68011}"/>
+              </a:ext>
+            </a:extLst>
+          </p:cNvPr>
+          <p:cNvSpPr txBox="1"/>
+          <p:nvPr/>
+        </p:nvSpPr>
+        <p:spPr>
+          <a:xfrm>
+            <a:off x="5790120" y="2358843"/>
+            <a:ext cx="2871758" cy="646331"/>
+          </a:xfrm>
+          <a:prstGeom prst="rect">
+            <a:avLst/>
+          </a:prstGeom>
+          <a:noFill/>
+        </p:spPr>
+        <p:txBody>
+          <a:bodyPr wrap="square" rtlCol="0">
+            <a:spAutoFit/>
+          </a:bodyPr>
+          <a:lstStyle/>
+          <a:p>
+            <a:r>
+              <a:rPr lang="en-AU" dirty="0"/>
+              <a:t>hopefully the good performance translates here</a:t>
+            </a:r>
+          </a:p>
+        </p:txBody>
+      </p:sp>
+    </p:spTree>
+    <p:extLst>
+      <p:ext uri="{BB962C8B-B14F-4D97-AF65-F5344CB8AC3E}">
+        <p14:creationId xmlns:p14="http://schemas.microsoft.com/office/powerpoint/2010/main" val="2703200540"/>
+      </p:ext>
+    </p:extLst>
+  </p:cSld>
+  <p:clrMapOvr>
+    <a:masterClrMapping/>
+  </p:clrMapOvr>
+</p:sld>
+</file>
+
 <file path=ppt/theme/theme1.xml><?xml version="1.0" encoding="utf-8"?>
 <a:theme xmlns:a="http://schemas.openxmlformats.org/drawingml/2006/main" name="Office Theme">
   <a:themeElements>
